--- a/Week_3/Docker, Alembic, FastAPI, Logging.pptx
+++ b/Week_3/Docker, Alembic, FastAPI, Logging.pptx
@@ -8734,6 +8734,48 @@
           </a:prstGeom>
         </p:spPr>
       </p:pic>
+      <p:sp>
+        <p:nvSpPr>
+          <p:cNvPr id="4" name="TextBox 3">
+            <a:extLst>
+              <a:ext uri="{FF2B5EF4-FFF2-40B4-BE49-F238E27FC236}">
+                <a16:creationId xmlns:a16="http://schemas.microsoft.com/office/drawing/2014/main" id="{237825A2-9339-3F57-4DC9-7D1917663B72}"/>
+              </a:ext>
+            </a:extLst>
+          </p:cNvPr>
+          <p:cNvSpPr txBox="1"/>
+          <p:nvPr/>
+        </p:nvSpPr>
+        <p:spPr>
+          <a:xfrm>
+            <a:off x="4519853" y="4554380"/>
+            <a:ext cx="3408305" cy="523220"/>
+          </a:xfrm>
+          <a:prstGeom prst="rect">
+            <a:avLst/>
+          </a:prstGeom>
+          <a:noFill/>
+        </p:spPr>
+        <p:txBody>
+          <a:bodyPr wrap="none" rtlCol="0">
+            <a:spAutoFit/>
+          </a:bodyPr>
+          <a:lstStyle/>
+          <a:p>
+            <a:pPr algn="ctr"/>
+            <a:r>
+              <a:rPr lang="en-US" dirty="0"/>
+              <a:t>Mnemonic: DIWEC</a:t>
+            </a:r>
+          </a:p>
+          <a:p>
+            <a:r>
+              <a:rPr lang="en-US" dirty="0"/>
+              <a:t>Don’t Ignore Warnings Errors are Critical</a:t>
+            </a:r>
+          </a:p>
+        </p:txBody>
+      </p:sp>
     </p:spTree>
     <p:extLst>
       <p:ext uri="{BB962C8B-B14F-4D97-AF65-F5344CB8AC3E}">
@@ -9736,10 +9778,10 @@
       </p:cxnSp>
       <p:pic>
         <p:nvPicPr>
-          <p:cNvPr id="18" name="Picture 17">
+          <p:cNvPr id="4" name="Picture 3">
             <a:extLst>
               <a:ext uri="{FF2B5EF4-FFF2-40B4-BE49-F238E27FC236}">
-                <a16:creationId xmlns:a16="http://schemas.microsoft.com/office/drawing/2014/main" id="{78FEB7A1-3167-863D-5B12-6CF27455D4E3}"/>
+                <a16:creationId xmlns:a16="http://schemas.microsoft.com/office/drawing/2014/main" id="{C57A7B2C-FE43-00C7-27A5-00377F2758D4}"/>
               </a:ext>
             </a:extLst>
           </p:cNvPr>
@@ -9756,8 +9798,8 @@
         </p:blipFill>
         <p:spPr>
           <a:xfrm>
-            <a:off x="263562" y="4084977"/>
-            <a:ext cx="5978838" cy="275399"/>
+            <a:off x="819641" y="3909739"/>
+            <a:ext cx="3877216" cy="533474"/>
           </a:xfrm>
           <a:prstGeom prst="rect">
             <a:avLst/>
@@ -10077,38 +10119,8 @@
         </p:blipFill>
         <p:spPr>
           <a:xfrm>
-            <a:off x="1447364" y="2035181"/>
+            <a:off x="1324964" y="1790381"/>
             <a:ext cx="6249272" cy="266737"/>
-          </a:xfrm>
-          <a:prstGeom prst="rect">
-            <a:avLst/>
-          </a:prstGeom>
-        </p:spPr>
-      </p:pic>
-      <p:pic>
-        <p:nvPicPr>
-          <p:cNvPr id="7" name="Picture 6">
-            <a:extLst>
-              <a:ext uri="{FF2B5EF4-FFF2-40B4-BE49-F238E27FC236}">
-                <a16:creationId xmlns:a16="http://schemas.microsoft.com/office/drawing/2014/main" id="{BBF85624-6D37-6C0A-3A80-0EF2FF1BA2ED}"/>
-              </a:ext>
-            </a:extLst>
-          </p:cNvPr>
-          <p:cNvPicPr>
-            <a:picLocks noChangeAspect="1"/>
-          </p:cNvPicPr>
-          <p:nvPr/>
-        </p:nvPicPr>
-        <p:blipFill>
-          <a:blip r:embed="rId3"/>
-          <a:stretch>
-            <a:fillRect/>
-          </a:stretch>
-        </p:blipFill>
-        <p:spPr>
-          <a:xfrm>
-            <a:off x="579750" y="2435374"/>
-            <a:ext cx="5083200" cy="2501575"/>
           </a:xfrm>
           <a:prstGeom prst="rect">
             <a:avLst/>
@@ -10130,7 +10142,7 @@
         <p:spPr>
           <a:xfrm>
             <a:off x="5738400" y="2498400"/>
-            <a:ext cx="3168000" cy="1600438"/>
+            <a:ext cx="3168000" cy="1815882"/>
           </a:xfrm>
           <a:prstGeom prst="rect">
             <a:avLst/>
@@ -10183,11 +10195,49 @@
             </a:r>
             <a:r>
               <a:rPr lang="en-US" dirty="0"/>
-              <a:t> is raised to let the user know and not crash our app</a:t>
+              <a:t> is raised… but how is it handled? </a:t>
+            </a:r>
+            <a:r>
+              <a:rPr lang="en-US" dirty="0" err="1"/>
+              <a:t>FastAPI</a:t>
+            </a:r>
+            <a:r>
+              <a:rPr lang="en-US" dirty="0"/>
+              <a:t> Global Exception Handlers!</a:t>
             </a:r>
           </a:p>
         </p:txBody>
       </p:sp>
+      <p:pic>
+        <p:nvPicPr>
+          <p:cNvPr id="4" name="Picture 3">
+            <a:extLst>
+              <a:ext uri="{FF2B5EF4-FFF2-40B4-BE49-F238E27FC236}">
+                <a16:creationId xmlns:a16="http://schemas.microsoft.com/office/drawing/2014/main" id="{51FA4394-D3C5-9240-4810-8344A5CD54C6}"/>
+              </a:ext>
+            </a:extLst>
+          </p:cNvPr>
+          <p:cNvPicPr>
+            <a:picLocks noChangeAspect="1"/>
+          </p:cNvPicPr>
+          <p:nvPr/>
+        </p:nvPicPr>
+        <p:blipFill>
+          <a:blip r:embed="rId3"/>
+          <a:stretch>
+            <a:fillRect/>
+          </a:stretch>
+        </p:blipFill>
+        <p:spPr>
+          <a:xfrm>
+            <a:off x="848005" y="2161349"/>
+            <a:ext cx="4187048" cy="2841582"/>
+          </a:xfrm>
+          <a:prstGeom prst="rect">
+            <a:avLst/>
+          </a:prstGeom>
+        </p:spPr>
+      </p:pic>
     </p:spTree>
     <p:extLst>
       <p:ext uri="{BB962C8B-B14F-4D97-AF65-F5344CB8AC3E}">
